--- a/powerpoints/07-tagging-101.pptx
+++ b/powerpoints/07-tagging-101.pptx
@@ -5,7 +5,7 @@
     <p:sldMasterId id="2147483648" r:id="rId1"/>
   </p:sldMasterIdLst>
   <p:notesMasterIdLst>
-    <p:NotesMasterId r:id="rId10"/>
+    <p:NotesMasterId r:id="rId11"/>
   </p:notesMasterIdLst>
   <p:sldIdLst>
     <p:sldId id="256" r:id="rId2"/>
@@ -16,6 +16,7 @@
     <p:sldId id="261" r:id="rId7"/>
     <p:sldId id="262" r:id="rId8"/>
     <p:sldId id="263" r:id="rId9"/>
+    <p:sldId id="264" r:id="rId10"/>
   </p:sldIdLst>
   <p:sldSz cx="9144000" cy="6858000" type="screen4x3"/>
   <p:notesSz cx="6858000" cy="9144000"/>
@@ -7518,6 +7519,84 @@
             <a:r>
               <a:rPr sz="2000"/>
               <a:t>Tip! Remind users of the Map the Web activity, to help them visualize how their client computer is connected. They can access content on web servers, but other computers on the web can’t access the clients files.</a:t>
+            </a:r>
+          </a:p>
+        </p:txBody>
+      </p:sp>
+    </p:spTree>
+  </p:cSld>
+</p:sld>
+</file>
+
+<file path=ppt/slides/slide9.xml><?xml version="1.0" encoding="utf-8"?>
+<p:sld xmlns:a="http://schemas.openxmlformats.org/drawingml/2006/main" xmlns:r="http://schemas.openxmlformats.org/officeDocument/2006/relationships" xmlns:p="http://schemas.openxmlformats.org/presentationml/2006/main">
+  <p:cSld>
+    <p:spTree>
+      <p:nvGrpSpPr>
+        <p:cNvPr id="1" name=""/>
+        <p:cNvGrpSpPr/>
+        <p:nvPr/>
+      </p:nvGrpSpPr>
+      <p:grpSpPr>
+        <a:xfrm>
+          <a:off x="0" y="0"/>
+          <a:ext cx="0" cy="0"/>
+          <a:chOff x="0" y="0"/>
+          <a:chExt cx="0" cy="0"/>
+        </a:xfrm>
+      </p:grpSpPr>
+      <p:sp>
+        <p:nvSpPr>
+          <p:cNvPr id="2" name="Title 1"/>
+          <p:cNvSpPr>
+            <a:spLocks noGrp="1"/>
+          </p:cNvSpPr>
+          <p:nvPr>
+            <p:ph type="title"/>
+          </p:nvPr>
+        </p:nvSpPr>
+        <p:spPr/>
+        <p:txBody>
+          <a:bodyPr/>
+          <a:lstStyle/>
+          <a:p>
+            <a:pPr lvl="0" marL="0" indent="0">
+              <a:buNone/>
+            </a:pPr>
+            <a:r>
+              <a:rPr/>
+              <a:t>mozilla</a:t>
+            </a:r>
+          </a:p>
+        </p:txBody>
+      </p:sp>
+      <p:sp>
+        <p:nvSpPr>
+          <p:cNvPr id="3" name="Content Placeholder 2"/>
+          <p:cNvSpPr>
+            <a:spLocks noGrp="1"/>
+          </p:cNvSpPr>
+          <p:nvPr>
+            <p:ph idx="1"/>
+          </p:nvPr>
+        </p:nvSpPr>
+        <p:spPr/>
+        <p:txBody>
+          <a:bodyPr/>
+          <a:lstStyle/>
+          <a:p>
+            <a:pPr lvl="0" marL="0" indent="0">
+              <a:buNone/>
+            </a:pPr>
+            <a:r>
+              <a:rPr/>
+              <a:t>Mozilla is a global non-profit dedicated to putting you in control of your online experience and shaping the future of the web for the public good. Visit us at </a:t>
+            </a:r>
+            <a:r>
+              <a:rPr>
+                <a:hlinkClick r:id="rId2"/>
+              </a:rPr>
+              <a:t>mozilla.org</a:t>
             </a:r>
           </a:p>
         </p:txBody>
